--- a/PPTX/第三次组会.pptx
+++ b/PPTX/第三次组会.pptx
@@ -3456,9 +3456,9 @@
         <p:grpSpPr>
           <a:xfrm>
             <a:off x="281305" y="204470"/>
-            <a:ext cx="6045200" cy="1208523"/>
+            <a:ext cx="6045200" cy="1085563"/>
             <a:chOff x="180" y="441"/>
-            <a:chExt cx="6885" cy="1376"/>
+            <a:chExt cx="6885" cy="1236"/>
           </a:xfrm>
         </p:grpSpPr>
         <p:pic>
@@ -3494,7 +3494,7 @@
           <p:spPr>
             <a:xfrm>
               <a:off x="180" y="732"/>
-              <a:ext cx="6885" cy="1085"/>
+              <a:ext cx="6885" cy="945"/>
             </a:xfrm>
             <a:prstGeom prst="rect">
               <a:avLst/>
@@ -3552,29 +3552,6 @@
                   </a:solidFill>
                 </a:rPr>
                 <a:t>队</a:t>
-              </a:r>
-              <a:r>
-                <a:rPr lang="en-US" altLang="zh-CN" sz="2400" b="1" i="1">
-                  <a:solidFill>
-                    <a:schemeClr val="accent1"/>
-                  </a:solidFill>
-                </a:rPr>
-                <a:t> </a:t>
-              </a:r>
-              <a:r>
-                <a:rPr lang="zh-CN" altLang="en-US" sz="3200">
-                  <a:effectLst>
-                    <a:outerShdw blurRad="38100" dist="38100" dir="2700000" algn="tl">
-                      <a:srgbClr val="000000">
-                        <a:alpha val="43137"/>
-                      </a:srgbClr>
-                    </a:outerShdw>
-                  </a:effectLst>
-                  <a:latin typeface="造字工房明黑（非商用）常规体" charset="-122"/>
-                  <a:ea typeface="造字工房明黑（非商用）常规体" charset="-122"/>
-                  <a:sym typeface="+mn-ea"/>
-                </a:rPr>
-                <a:t>算法组</a:t>
               </a:r>
               <a:endParaRPr lang="zh-CN" altLang="en-US" sz="3200" b="1" i="1">
                 <a:solidFill>
@@ -3811,9 +3788,9 @@
         <p:grpSpPr>
           <a:xfrm>
             <a:off x="8633460" y="1637030"/>
-            <a:ext cx="908050" cy="3662680"/>
+            <a:ext cx="908050" cy="3663315"/>
             <a:chOff x="10384" y="2061"/>
-            <a:chExt cx="1430" cy="5768"/>
+            <a:chExt cx="1430" cy="5769"/>
           </a:xfrm>
         </p:grpSpPr>
         <p:grpSp>
@@ -4122,81 +4099,16 @@
                 </a:lnSpc>
               </a:pPr>
               <a:r>
-                <a:rPr lang="zh-CN" altLang="en-US" b="1">
+                <a:rPr lang="en-US" b="1">
                   <a:solidFill>
                     <a:schemeClr val="bg1"/>
                   </a:solidFill>
                   <a:latin typeface="微软雅黑" panose="020B0503020204020204" pitchFamily="34" charset="-122"/>
                   <a:ea typeface="微软雅黑" panose="020B0503020204020204" pitchFamily="34" charset="-122"/>
                   <a:cs typeface="微软雅黑" panose="020B0503020204020204" pitchFamily="34" charset="-122"/>
+                  <a:sym typeface="+mn-ea"/>
                 </a:rPr>
-                <a:t>任</a:t>
-              </a:r>
-              <a:r>
-                <a:rPr lang="en-US" altLang="zh-CN" b="1">
-                  <a:solidFill>
-                    <a:schemeClr val="bg1"/>
-                  </a:solidFill>
-                  <a:latin typeface="微软雅黑" panose="020B0503020204020204" pitchFamily="34" charset="-122"/>
-                  <a:ea typeface="微软雅黑" panose="020B0503020204020204" pitchFamily="34" charset="-122"/>
-                  <a:cs typeface="微软雅黑" panose="020B0503020204020204" pitchFamily="34" charset="-122"/>
-                </a:rPr>
-                <a:t> </a:t>
-              </a:r>
-              <a:r>
-                <a:rPr lang="zh-CN" altLang="en-US" b="1">
-                  <a:solidFill>
-                    <a:schemeClr val="bg1"/>
-                  </a:solidFill>
-                  <a:latin typeface="微软雅黑" panose="020B0503020204020204" pitchFamily="34" charset="-122"/>
-                  <a:ea typeface="微软雅黑" panose="020B0503020204020204" pitchFamily="34" charset="-122"/>
-                  <a:cs typeface="微软雅黑" panose="020B0503020204020204" pitchFamily="34" charset="-122"/>
-                </a:rPr>
-                <a:t>务</a:t>
-              </a:r>
-              <a:r>
-                <a:rPr lang="en-US" altLang="zh-CN" b="1">
-                  <a:solidFill>
-                    <a:schemeClr val="bg1"/>
-                  </a:solidFill>
-                  <a:latin typeface="微软雅黑" panose="020B0503020204020204" pitchFamily="34" charset="-122"/>
-                  <a:ea typeface="微软雅黑" panose="020B0503020204020204" pitchFamily="34" charset="-122"/>
-                  <a:cs typeface="微软雅黑" panose="020B0503020204020204" pitchFamily="34" charset="-122"/>
-                </a:rPr>
-                <a:t> </a:t>
-              </a:r>
-              <a:r>
-                <a:rPr lang="zh-CN" altLang="en-US" b="1">
-                  <a:solidFill>
-                    <a:schemeClr val="bg1"/>
-                  </a:solidFill>
-                  <a:latin typeface="微软雅黑" panose="020B0503020204020204" pitchFamily="34" charset="-122"/>
-                  <a:ea typeface="微软雅黑" panose="020B0503020204020204" pitchFamily="34" charset="-122"/>
-                  <a:cs typeface="微软雅黑" panose="020B0503020204020204" pitchFamily="34" charset="-122"/>
-                </a:rPr>
-                <a:t>要</a:t>
-              </a:r>
-              <a:r>
-                <a:rPr lang="en-US" altLang="zh-CN" b="1">
-                  <a:solidFill>
-                    <a:schemeClr val="bg1"/>
-                  </a:solidFill>
-                  <a:latin typeface="微软雅黑" panose="020B0503020204020204" pitchFamily="34" charset="-122"/>
-                  <a:ea typeface="微软雅黑" panose="020B0503020204020204" pitchFamily="34" charset="-122"/>
-                  <a:cs typeface="微软雅黑" panose="020B0503020204020204" pitchFamily="34" charset="-122"/>
-                </a:rPr>
-                <a:t> </a:t>
-              </a:r>
-              <a:r>
-                <a:rPr lang="zh-CN" altLang="en-US" b="1">
-                  <a:solidFill>
-                    <a:schemeClr val="bg1"/>
-                  </a:solidFill>
-                  <a:latin typeface="微软雅黑" panose="020B0503020204020204" pitchFamily="34" charset="-122"/>
-                  <a:ea typeface="微软雅黑" panose="020B0503020204020204" pitchFamily="34" charset="-122"/>
-                  <a:cs typeface="微软雅黑" panose="020B0503020204020204" pitchFamily="34" charset="-122"/>
-                </a:rPr>
-                <a:t>求</a:t>
+                <a:t>Section C</a:t>
               </a:r>
               <a:endParaRPr lang="zh-CN" altLang="en-US" b="1">
                 <a:solidFill>
@@ -4219,9 +4131,9 @@
         <p:grpSpPr>
           <a:xfrm>
             <a:off x="5641975" y="1637030"/>
-            <a:ext cx="908050" cy="3662680"/>
+            <a:ext cx="908050" cy="3663315"/>
             <a:chOff x="6132" y="2060"/>
-            <a:chExt cx="1430" cy="5768"/>
+            <a:chExt cx="1430" cy="5769"/>
           </a:xfrm>
         </p:grpSpPr>
         <p:grpSp>
@@ -4524,61 +4436,22 @@
               <a:spAutoFit/>
             </a:bodyPr>
             <a:p>
+              <a:pPr>
+                <a:lnSpc>
+                  <a:spcPct val="100000"/>
+                </a:lnSpc>
+              </a:pPr>
               <a:r>
-                <a:rPr lang="zh-CN" altLang="en-US" b="1">
+                <a:rPr lang="en-US" b="1">
                   <a:solidFill>
                     <a:schemeClr val="bg1"/>
                   </a:solidFill>
+                  <a:latin typeface="微软雅黑" panose="020B0503020204020204" pitchFamily="34" charset="-122"/>
+                  <a:ea typeface="微软雅黑" panose="020B0503020204020204" pitchFamily="34" charset="-122"/>
+                  <a:cs typeface="微软雅黑" panose="020B0503020204020204" pitchFamily="34" charset="-122"/>
+                  <a:sym typeface="+mn-ea"/>
                 </a:rPr>
-                <a:t>问</a:t>
-              </a:r>
-              <a:r>
-                <a:rPr lang="en-US" altLang="zh-CN" b="1">
-                  <a:solidFill>
-                    <a:schemeClr val="bg1"/>
-                  </a:solidFill>
-                </a:rPr>
-                <a:t> </a:t>
-              </a:r>
-              <a:r>
-                <a:rPr lang="zh-CN" altLang="en-US" b="1">
-                  <a:solidFill>
-                    <a:schemeClr val="bg1"/>
-                  </a:solidFill>
-                </a:rPr>
-                <a:t>题</a:t>
-              </a:r>
-              <a:r>
-                <a:rPr lang="en-US" altLang="zh-CN" b="1">
-                  <a:solidFill>
-                    <a:schemeClr val="bg1"/>
-                  </a:solidFill>
-                </a:rPr>
-                <a:t> </a:t>
-              </a:r>
-              <a:r>
-                <a:rPr lang="zh-CN" altLang="en-US" b="1">
-                  <a:solidFill>
-                    <a:schemeClr val="bg1"/>
-                  </a:solidFill>
-                </a:rPr>
-                <a:t>解</a:t>
-              </a:r>
-              <a:r>
-                <a:rPr lang="en-US" altLang="zh-CN" b="1">
-                  <a:solidFill>
-                    <a:schemeClr val="bg1"/>
-                  </a:solidFill>
-                </a:rPr>
-                <a:t> </a:t>
-              </a:r>
-              <a:r>
-                <a:rPr lang="zh-CN" altLang="en-US" b="1">
-                  <a:solidFill>
-                    <a:schemeClr val="bg1"/>
-                  </a:solidFill>
-                </a:rPr>
-                <a:t>答</a:t>
+                <a:t>Section B</a:t>
               </a:r>
               <a:endParaRPr lang="zh-CN" altLang="en-US" b="1">
                 <a:solidFill>
@@ -5197,7 +5070,7 @@
                 </a:lnSpc>
               </a:pPr>
               <a:r>
-                <a:rPr lang="zh-CN" b="1">
+                <a:rPr lang="en-US" b="1">
                   <a:solidFill>
                     <a:schemeClr val="bg1"/>
                   </a:solidFill>
@@ -5205,31 +5078,9 @@
                   <a:ea typeface="微软雅黑" panose="020B0503020204020204" pitchFamily="34" charset="-122"/>
                   <a:cs typeface="微软雅黑" panose="020B0503020204020204" pitchFamily="34" charset="-122"/>
                 </a:rPr>
-                <a:t>点</a:t>
+                <a:t>Section A</a:t>
               </a:r>
-              <a:r>
-                <a:rPr lang="en-US" altLang="zh-CN" b="1">
-                  <a:solidFill>
-                    <a:schemeClr val="bg1"/>
-                  </a:solidFill>
-                  <a:latin typeface="微软雅黑" panose="020B0503020204020204" pitchFamily="34" charset="-122"/>
-                  <a:ea typeface="微软雅黑" panose="020B0503020204020204" pitchFamily="34" charset="-122"/>
-                  <a:cs typeface="微软雅黑" panose="020B0503020204020204" pitchFamily="34" charset="-122"/>
-                </a:rPr>
-                <a:t>     </a:t>
-              </a:r>
-              <a:r>
-                <a:rPr lang="zh-CN" b="1">
-                  <a:solidFill>
-                    <a:schemeClr val="bg1"/>
-                  </a:solidFill>
-                  <a:latin typeface="微软雅黑" panose="020B0503020204020204" pitchFamily="34" charset="-122"/>
-                  <a:ea typeface="微软雅黑" panose="020B0503020204020204" pitchFamily="34" charset="-122"/>
-                  <a:cs typeface="微软雅黑" panose="020B0503020204020204" pitchFamily="34" charset="-122"/>
-                </a:rPr>
-                <a:t>名</a:t>
-              </a:r>
-              <a:endParaRPr lang="zh-CN" b="1">
+              <a:endParaRPr lang="en-US" b="1">
                 <a:solidFill>
                   <a:schemeClr val="bg1"/>
                 </a:solidFill>
@@ -5807,504 +5658,6 @@
           </p:grpSp>
         </p:grpSp>
       </p:grpSp>
-      <p:sp>
-        <p:nvSpPr>
-          <p:cNvPr id="7" name="文本框 6"/>
-          <p:cNvSpPr txBox="1"/>
-          <p:nvPr/>
-        </p:nvSpPr>
-        <p:spPr>
-          <a:xfrm>
-            <a:off x="913765" y="1760220"/>
-            <a:ext cx="10364470" cy="3107690"/>
-          </a:xfrm>
-          <a:prstGeom prst="rect">
-            <a:avLst/>
-          </a:prstGeom>
-          <a:noFill/>
-        </p:spPr>
-        <p:txBody>
-          <a:bodyPr wrap="square" rtlCol="0">
-            <a:spAutoFit/>
-          </a:bodyPr>
-          <a:p>
-            <a:pPr marL="0" marR="0" lvl="0" indent="0" algn="ctr" defTabSz="914400" rtl="0" eaLnBrk="1" fontAlgn="auto" latinLnBrk="0" hangingPunct="1">
-              <a:lnSpc>
-                <a:spcPct val="100000"/>
-              </a:lnSpc>
-              <a:spcBef>
-                <a:spcPts val="0"/>
-              </a:spcBef>
-              <a:spcAft>
-                <a:spcPts val="0"/>
-              </a:spcAft>
-              <a:buClrTx/>
-              <a:buSzTx/>
-              <a:buFontTx/>
-              <a:buNone/>
-              <a:defRPr/>
-            </a:pPr>
-            <a:r>
-              <a:rPr lang="zh-CN" altLang="en-US" sz="2800" noProof="0" dirty="0">
-                <a:ln>
-                  <a:noFill/>
-                </a:ln>
-                <a:solidFill>
-                  <a:schemeClr val="tx1"/>
-                </a:solidFill>
-                <a:effectLst/>
-                <a:uLnTx/>
-                <a:uFillTx/>
-                <a:latin typeface="Calibri" panose="020F0502020204030204"/>
-                <a:ea typeface="等线" panose="02010600030101010101" charset="-122"/>
-                <a:sym typeface="+mn-ea"/>
-              </a:rPr>
-              <a:t>於恩泽</a:t>
-            </a:r>
-            <a:r>
-              <a:rPr lang="en-US" altLang="zh-CN" sz="2800" noProof="0" dirty="0">
-                <a:ln>
-                  <a:noFill/>
-                </a:ln>
-                <a:solidFill>
-                  <a:schemeClr val="tx1"/>
-                </a:solidFill>
-                <a:effectLst/>
-                <a:uLnTx/>
-                <a:uFillTx/>
-                <a:latin typeface="Calibri" panose="020F0502020204030204"/>
-                <a:ea typeface="等线" panose="02010600030101010101" charset="-122"/>
-                <a:sym typeface="+mn-ea"/>
-              </a:rPr>
-              <a:t> 		</a:t>
-            </a:r>
-            <a:r>
-              <a:rPr lang="zh-CN" altLang="en-US" sz="2800" noProof="0" dirty="0">
-                <a:ln>
-                  <a:noFill/>
-                </a:ln>
-                <a:solidFill>
-                  <a:schemeClr val="tx1"/>
-                </a:solidFill>
-                <a:effectLst/>
-                <a:uLnTx/>
-                <a:uFillTx/>
-                <a:latin typeface="Calibri" panose="020F0502020204030204"/>
-                <a:ea typeface="等线" panose="02010600030101010101" charset="-122"/>
-                <a:sym typeface="+mn-ea"/>
-              </a:rPr>
-              <a:t>周文正</a:t>
-            </a:r>
-            <a:r>
-              <a:rPr lang="en-US" altLang="zh-CN" sz="2800" noProof="0" dirty="0">
-                <a:ln>
-                  <a:noFill/>
-                </a:ln>
-                <a:solidFill>
-                  <a:schemeClr val="tx1"/>
-                </a:solidFill>
-                <a:effectLst/>
-                <a:uLnTx/>
-                <a:uFillTx/>
-                <a:latin typeface="Calibri" panose="020F0502020204030204"/>
-                <a:ea typeface="等线" panose="02010600030101010101" charset="-122"/>
-                <a:sym typeface="+mn-ea"/>
-              </a:rPr>
-              <a:t>		</a:t>
-            </a:r>
-            <a:r>
-              <a:rPr lang="zh-CN" altLang="en-US" sz="2800" noProof="0" dirty="0">
-                <a:ln>
-                  <a:noFill/>
-                </a:ln>
-                <a:solidFill>
-                  <a:schemeClr val="tx1"/>
-                </a:solidFill>
-                <a:effectLst/>
-                <a:uLnTx/>
-                <a:uFillTx/>
-                <a:latin typeface="Calibri" panose="020F0502020204030204"/>
-                <a:ea typeface="等线" panose="02010600030101010101" charset="-122"/>
-                <a:sym typeface="+mn-ea"/>
-              </a:rPr>
-              <a:t>孙海华</a:t>
-            </a:r>
-            <a:endParaRPr lang="en-US" altLang="zh-CN" sz="2800" noProof="0" dirty="0">
-              <a:ln>
-                <a:noFill/>
-              </a:ln>
-              <a:solidFill>
-                <a:schemeClr val="tx1"/>
-              </a:solidFill>
-              <a:effectLst/>
-              <a:uLnTx/>
-              <a:uFillTx/>
-              <a:latin typeface="Calibri" panose="020F0502020204030204"/>
-              <a:ea typeface="等线" panose="02010600030101010101" charset="-122"/>
-              <a:sym typeface="+mn-ea"/>
-            </a:endParaRPr>
-          </a:p>
-          <a:p>
-            <a:pPr marL="0" marR="0" lvl="0" indent="0" algn="ctr" defTabSz="914400" rtl="0" eaLnBrk="1" fontAlgn="auto" latinLnBrk="0" hangingPunct="1">
-              <a:lnSpc>
-                <a:spcPct val="100000"/>
-              </a:lnSpc>
-              <a:spcBef>
-                <a:spcPts val="0"/>
-              </a:spcBef>
-              <a:spcAft>
-                <a:spcPts val="0"/>
-              </a:spcAft>
-              <a:buClrTx/>
-              <a:buSzTx/>
-              <a:buFontTx/>
-              <a:buNone/>
-              <a:defRPr/>
-            </a:pPr>
-            <a:endParaRPr kumimoji="0" lang="zh-CN" altLang="en-US" sz="2800" b="0" i="0" u="none" strike="noStrike" kern="1200" cap="none" spc="0" normalizeH="0" baseline="0" noProof="0" dirty="0">
-              <a:ln>
-                <a:noFill/>
-              </a:ln>
-              <a:solidFill>
-                <a:schemeClr val="tx1"/>
-              </a:solidFill>
-              <a:effectLst/>
-              <a:uLnTx/>
-              <a:uFillTx/>
-              <a:latin typeface="Calibri" panose="020F0502020204030204"/>
-              <a:ea typeface="等线" panose="02010600030101010101" charset="-122"/>
-              <a:cs typeface="+mn-cs"/>
-            </a:endParaRPr>
-          </a:p>
-          <a:p>
-            <a:pPr marL="0" marR="0" lvl="0" indent="0" algn="ctr" defTabSz="914400" rtl="0" eaLnBrk="1" fontAlgn="auto" latinLnBrk="0" hangingPunct="1">
-              <a:lnSpc>
-                <a:spcPct val="100000"/>
-              </a:lnSpc>
-              <a:spcBef>
-                <a:spcPts val="0"/>
-              </a:spcBef>
-              <a:spcAft>
-                <a:spcPts val="0"/>
-              </a:spcAft>
-              <a:buClrTx/>
-              <a:buSzTx/>
-              <a:buFontTx/>
-              <a:buNone/>
-              <a:defRPr/>
-            </a:pPr>
-            <a:endParaRPr kumimoji="0" lang="en-US" altLang="zh-CN" sz="2800" b="0" i="0" u="none" strike="noStrike" kern="1200" cap="none" spc="0" normalizeH="0" baseline="0" noProof="0" dirty="0">
-              <a:ln>
-                <a:noFill/>
-              </a:ln>
-              <a:solidFill>
-                <a:schemeClr val="tx1"/>
-              </a:solidFill>
-              <a:effectLst/>
-              <a:uLnTx/>
-              <a:uFillTx/>
-              <a:latin typeface="Calibri" panose="020F0502020204030204"/>
-              <a:ea typeface="等线" panose="02010600030101010101" charset="-122"/>
-              <a:cs typeface="+mn-cs"/>
-            </a:endParaRPr>
-          </a:p>
-          <a:p>
-            <a:pPr marL="0" marR="0" lvl="0" indent="0" algn="ctr" defTabSz="914400" rtl="0" eaLnBrk="1" fontAlgn="auto" latinLnBrk="0" hangingPunct="1">
-              <a:lnSpc>
-                <a:spcPct val="100000"/>
-              </a:lnSpc>
-              <a:spcBef>
-                <a:spcPts val="0"/>
-              </a:spcBef>
-              <a:spcAft>
-                <a:spcPts val="0"/>
-              </a:spcAft>
-              <a:buClrTx/>
-              <a:buSzTx/>
-              <a:buFontTx/>
-              <a:buNone/>
-              <a:defRPr/>
-            </a:pPr>
-            <a:r>
-              <a:rPr lang="zh-CN" altLang="en-US" sz="2800" noProof="0" dirty="0">
-                <a:ln>
-                  <a:noFill/>
-                </a:ln>
-                <a:solidFill>
-                  <a:schemeClr val="tx1"/>
-                </a:solidFill>
-                <a:effectLst/>
-                <a:uLnTx/>
-                <a:uFillTx/>
-                <a:latin typeface="Calibri" panose="020F0502020204030204"/>
-                <a:ea typeface="等线" panose="02010600030101010101" charset="-122"/>
-                <a:sym typeface="+mn-ea"/>
-              </a:rPr>
-              <a:t>刘雨松</a:t>
-            </a:r>
-            <a:r>
-              <a:rPr lang="en-US" altLang="zh-CN" sz="2800" noProof="0" dirty="0">
-                <a:ln>
-                  <a:noFill/>
-                </a:ln>
-                <a:solidFill>
-                  <a:schemeClr val="tx1"/>
-                </a:solidFill>
-                <a:effectLst/>
-                <a:uLnTx/>
-                <a:uFillTx/>
-                <a:latin typeface="Calibri" panose="020F0502020204030204"/>
-                <a:ea typeface="等线" panose="02010600030101010101" charset="-122"/>
-                <a:sym typeface="+mn-ea"/>
-              </a:rPr>
-              <a:t>		</a:t>
-            </a:r>
-            <a:r>
-              <a:rPr lang="zh-CN" altLang="en-US" sz="2800" noProof="0" dirty="0">
-                <a:ln>
-                  <a:noFill/>
-                </a:ln>
-                <a:solidFill>
-                  <a:schemeClr val="tx1"/>
-                </a:solidFill>
-                <a:effectLst/>
-                <a:uLnTx/>
-                <a:uFillTx/>
-                <a:latin typeface="Calibri" panose="020F0502020204030204"/>
-                <a:ea typeface="等线" panose="02010600030101010101" charset="-122"/>
-                <a:sym typeface="+mn-ea"/>
-              </a:rPr>
-              <a:t>蒋瑞轩</a:t>
-            </a:r>
-            <a:r>
-              <a:rPr lang="en-US" altLang="zh-CN" sz="2800" noProof="0" dirty="0">
-                <a:ln>
-                  <a:noFill/>
-                </a:ln>
-                <a:solidFill>
-                  <a:schemeClr val="tx1"/>
-                </a:solidFill>
-                <a:effectLst/>
-                <a:uLnTx/>
-                <a:uFillTx/>
-                <a:latin typeface="Calibri" panose="020F0502020204030204"/>
-                <a:ea typeface="等线" panose="02010600030101010101" charset="-122"/>
-                <a:sym typeface="+mn-ea"/>
-              </a:rPr>
-              <a:t>		</a:t>
-            </a:r>
-            <a:r>
-              <a:rPr lang="zh-CN" altLang="en-US" sz="2800" noProof="0" dirty="0">
-                <a:ln>
-                  <a:noFill/>
-                </a:ln>
-                <a:solidFill>
-                  <a:schemeClr val="tx1"/>
-                </a:solidFill>
-                <a:effectLst/>
-                <a:uLnTx/>
-                <a:uFillTx/>
-                <a:latin typeface="Calibri" panose="020F0502020204030204"/>
-                <a:ea typeface="等线" panose="02010600030101010101" charset="-122"/>
-                <a:sym typeface="+mn-ea"/>
-              </a:rPr>
-              <a:t>张洋</a:t>
-            </a:r>
-            <a:endParaRPr kumimoji="0" lang="zh-CN" altLang="en-US" sz="2800" b="0" i="0" u="none" strike="noStrike" kern="1200" cap="none" spc="0" normalizeH="0" baseline="0" noProof="0" dirty="0">
-              <a:ln>
-                <a:noFill/>
-              </a:ln>
-              <a:solidFill>
-                <a:schemeClr val="tx1"/>
-              </a:solidFill>
-              <a:effectLst/>
-              <a:uLnTx/>
-              <a:uFillTx/>
-              <a:latin typeface="Calibri" panose="020F0502020204030204"/>
-              <a:ea typeface="等线" panose="02010600030101010101" charset="-122"/>
-              <a:cs typeface="+mn-cs"/>
-            </a:endParaRPr>
-          </a:p>
-          <a:p>
-            <a:pPr marL="0" marR="0" lvl="0" indent="0" algn="ctr" defTabSz="914400" rtl="0" eaLnBrk="1" fontAlgn="auto" latinLnBrk="0" hangingPunct="1">
-              <a:lnSpc>
-                <a:spcPct val="100000"/>
-              </a:lnSpc>
-              <a:spcBef>
-                <a:spcPts val="0"/>
-              </a:spcBef>
-              <a:spcAft>
-                <a:spcPts val="0"/>
-              </a:spcAft>
-              <a:buClrTx/>
-              <a:buSzTx/>
-              <a:buFontTx/>
-              <a:buNone/>
-              <a:defRPr/>
-            </a:pPr>
-            <a:endParaRPr kumimoji="0" lang="zh-CN" altLang="en-US" sz="2800" b="0" i="0" u="none" strike="noStrike" kern="1200" cap="none" spc="0" normalizeH="0" baseline="0" noProof="0" dirty="0">
-              <a:ln>
-                <a:noFill/>
-              </a:ln>
-              <a:solidFill>
-                <a:schemeClr val="tx1"/>
-              </a:solidFill>
-              <a:effectLst/>
-              <a:uLnTx/>
-              <a:uFillTx/>
-              <a:latin typeface="Calibri" panose="020F0502020204030204"/>
-              <a:ea typeface="等线" panose="02010600030101010101" charset="-122"/>
-              <a:cs typeface="+mn-cs"/>
-            </a:endParaRPr>
-          </a:p>
-          <a:p>
-            <a:pPr marL="0" marR="0" lvl="0" indent="0" algn="ctr" defTabSz="914400" rtl="0" eaLnBrk="1" fontAlgn="auto" latinLnBrk="0" hangingPunct="1">
-              <a:lnSpc>
-                <a:spcPct val="100000"/>
-              </a:lnSpc>
-              <a:spcBef>
-                <a:spcPts val="0"/>
-              </a:spcBef>
-              <a:spcAft>
-                <a:spcPts val="0"/>
-              </a:spcAft>
-              <a:buClrTx/>
-              <a:buSzTx/>
-              <a:buFontTx/>
-              <a:buNone/>
-              <a:defRPr/>
-            </a:pPr>
-            <a:endParaRPr kumimoji="0" lang="zh-CN" altLang="en-US" sz="2800" b="0" i="0" u="none" strike="noStrike" kern="1200" cap="none" spc="0" normalizeH="0" baseline="0" noProof="0" dirty="0">
-              <a:ln>
-                <a:noFill/>
-              </a:ln>
-              <a:solidFill>
-                <a:schemeClr val="tx1"/>
-              </a:solidFill>
-              <a:effectLst/>
-              <a:uLnTx/>
-              <a:uFillTx/>
-              <a:latin typeface="Calibri" panose="020F0502020204030204"/>
-              <a:ea typeface="等线" panose="02010600030101010101" charset="-122"/>
-              <a:cs typeface="+mn-cs"/>
-            </a:endParaRPr>
-          </a:p>
-          <a:p>
-            <a:pPr marL="0" marR="0" lvl="0" indent="0" algn="ctr" defTabSz="914400" rtl="0" eaLnBrk="1" fontAlgn="auto" latinLnBrk="0" hangingPunct="1">
-              <a:lnSpc>
-                <a:spcPct val="100000"/>
-              </a:lnSpc>
-              <a:spcBef>
-                <a:spcPts val="0"/>
-              </a:spcBef>
-              <a:spcAft>
-                <a:spcPts val="0"/>
-              </a:spcAft>
-              <a:buClrTx/>
-              <a:buSzTx/>
-              <a:buFontTx/>
-              <a:buNone/>
-              <a:defRPr/>
-            </a:pPr>
-            <a:r>
-              <a:rPr lang="zh-CN" altLang="en-US" sz="2800" noProof="0" dirty="0">
-                <a:ln>
-                  <a:noFill/>
-                </a:ln>
-                <a:solidFill>
-                  <a:schemeClr val="tx1"/>
-                </a:solidFill>
-                <a:effectLst/>
-                <a:uLnTx/>
-                <a:uFillTx/>
-                <a:latin typeface="Calibri" panose="020F0502020204030204"/>
-                <a:ea typeface="等线" panose="02010600030101010101" charset="-122"/>
-                <a:sym typeface="+mn-ea"/>
-              </a:rPr>
-              <a:t>刘家辉</a:t>
-            </a:r>
-            <a:r>
-              <a:rPr lang="en-US" altLang="zh-CN" sz="2800" noProof="0" dirty="0">
-                <a:ln>
-                  <a:noFill/>
-                </a:ln>
-                <a:solidFill>
-                  <a:schemeClr val="tx1"/>
-                </a:solidFill>
-                <a:effectLst/>
-                <a:uLnTx/>
-                <a:uFillTx/>
-                <a:latin typeface="Calibri" panose="020F0502020204030204"/>
-                <a:ea typeface="等线" panose="02010600030101010101" charset="-122"/>
-                <a:sym typeface="+mn-ea"/>
-              </a:rPr>
-              <a:t>		</a:t>
-            </a:r>
-            <a:r>
-              <a:rPr lang="zh-CN" altLang="en-US" sz="2800" noProof="0" dirty="0">
-                <a:ln>
-                  <a:noFill/>
-                </a:ln>
-                <a:solidFill>
-                  <a:schemeClr val="tx1"/>
-                </a:solidFill>
-                <a:effectLst/>
-                <a:uLnTx/>
-                <a:uFillTx/>
-                <a:latin typeface="Calibri" panose="020F0502020204030204"/>
-                <a:ea typeface="等线" panose="02010600030101010101" charset="-122"/>
-                <a:sym typeface="+mn-ea"/>
-              </a:rPr>
-              <a:t>付明杰</a:t>
-            </a:r>
-            <a:r>
-              <a:rPr lang="en-US" altLang="zh-CN" sz="2800" noProof="0" dirty="0">
-                <a:ln>
-                  <a:noFill/>
-                </a:ln>
-                <a:solidFill>
-                  <a:schemeClr val="tx1"/>
-                </a:solidFill>
-                <a:effectLst/>
-                <a:uLnTx/>
-                <a:uFillTx/>
-                <a:latin typeface="Calibri" panose="020F0502020204030204"/>
-                <a:ea typeface="等线" panose="02010600030101010101" charset="-122"/>
-                <a:sym typeface="+mn-ea"/>
-              </a:rPr>
-              <a:t>		</a:t>
-            </a:r>
-            <a:r>
-              <a:rPr lang="zh-CN" altLang="en-US" sz="2800" noProof="0" dirty="0">
-                <a:ln>
-                  <a:noFill/>
-                </a:ln>
-                <a:effectLst/>
-                <a:uLnTx/>
-                <a:uFillTx/>
-                <a:latin typeface="Calibri" panose="020F0502020204030204"/>
-                <a:ea typeface="等线" panose="02010600030101010101" charset="-122"/>
-                <a:sym typeface="+mn-ea"/>
-              </a:rPr>
-              <a:t>叶涟嘉</a:t>
-            </a:r>
-            <a:endParaRPr kumimoji="0" lang="zh-CN" altLang="en-US" sz="2800" b="0" i="0" u="none" strike="noStrike" kern="1200" cap="none" spc="0" normalizeH="0" baseline="0" noProof="0" dirty="0">
-              <a:ln>
-                <a:noFill/>
-              </a:ln>
-              <a:solidFill>
-                <a:schemeClr val="tx1"/>
-              </a:solidFill>
-              <a:effectLst/>
-              <a:uLnTx/>
-              <a:uFillTx/>
-              <a:latin typeface="Calibri" panose="020F0502020204030204"/>
-              <a:ea typeface="等线" panose="02010600030101010101" charset="-122"/>
-              <a:cs typeface="+mn-cs"/>
-            </a:endParaRPr>
-          </a:p>
-        </p:txBody>
-      </p:sp>
     </p:spTree>
     <p:custDataLst>
       <p:tags r:id="rId3"/>
@@ -6875,38 +6228,9 @@
         <p:txBody>
           <a:bodyPr/>
           <a:p>
-            <a:r>
-              <a:rPr lang="zh-CN" altLang="en-US" sz="3600"/>
-              <a:t>自瞄</a:t>
-            </a:r>
-            <a:endParaRPr lang="zh-CN" altLang="en-US" sz="3600"/>
-          </a:p>
-          <a:p>
-            <a:r>
-              <a:rPr lang="en-US" altLang="zh-CN" sz="3600"/>
-              <a:t>ones</a:t>
-            </a:r>
-            <a:endParaRPr lang="en-US" altLang="zh-CN" sz="3600"/>
-          </a:p>
-          <a:p>
-            <a:r>
-              <a:rPr lang="en-US" altLang="zh-CN" sz="3600"/>
-              <a:t>https://gitee.com/qsheeeeen/qdu-rm-ai</a:t>
-            </a:r>
-            <a:endParaRPr lang="en-US" altLang="zh-CN" sz="3600"/>
-          </a:p>
-          <a:p>
-            <a:r>
-              <a:rPr lang="en-US" altLang="zh-CN" sz="3600"/>
-              <a:t>linux</a:t>
-            </a:r>
-            <a:endParaRPr lang="en-US" altLang="zh-CN" sz="3600"/>
-          </a:p>
-          <a:p>
-            <a:r>
-              <a:rPr lang="en-US" altLang="zh-CN" sz="3600"/>
-              <a:t>git</a:t>
-            </a:r>
+            <a:pPr marL="0" indent="0">
+              <a:buNone/>
+            </a:pPr>
             <a:endParaRPr lang="en-US" altLang="zh-CN" sz="3600"/>
           </a:p>
         </p:txBody>
@@ -7481,78 +6805,6 @@
         <p:txBody>
           <a:bodyPr/>
           <a:p>
-            <a:r>
-              <a:rPr lang="en-US" altLang="zh-CN" sz="2800"/>
-              <a:t> </a:t>
-            </a:r>
-            <a:r>
-              <a:rPr lang="zh-CN" altLang="en-US" sz="2800"/>
-              <a:t>创建</a:t>
-            </a:r>
-            <a:r>
-              <a:rPr lang="en-US" altLang="zh-CN" sz="2800"/>
-              <a:t>Gitee</a:t>
-            </a:r>
-            <a:r>
-              <a:rPr lang="zh-CN" altLang="en-US" sz="2800"/>
-              <a:t>账户和仓库，作为日后代码查看的地方</a:t>
-            </a:r>
-            <a:endParaRPr lang="zh-CN" altLang="en-US" sz="2800"/>
-          </a:p>
-          <a:p>
-            <a:r>
-              <a:rPr lang="en-US" altLang="zh-CN" sz="2800"/>
-              <a:t> </a:t>
-            </a:r>
-            <a:r>
-              <a:rPr lang="zh-CN" altLang="en-US" sz="2800"/>
-              <a:t>完善个人信息表格</a:t>
-            </a:r>
-            <a:endParaRPr lang="zh-CN" altLang="en-US" sz="2800"/>
-          </a:p>
-          <a:p>
-            <a:r>
-              <a:rPr lang="en-US" altLang="zh-CN" sz="2800"/>
-              <a:t> </a:t>
-            </a:r>
-            <a:r>
-              <a:rPr lang="zh-CN" altLang="en-US" sz="2800"/>
-              <a:t>例会改到周三周日</a:t>
-            </a:r>
-            <a:endParaRPr lang="zh-CN" altLang="en-US" sz="2800"/>
-          </a:p>
-          <a:p>
-            <a:r>
-              <a:rPr lang="en-US" altLang="zh-CN" sz="2800"/>
-              <a:t> </a:t>
-            </a:r>
-            <a:r>
-              <a:rPr lang="zh-CN" altLang="en-US" sz="2800"/>
-              <a:t>下周三讲</a:t>
-            </a:r>
-            <a:r>
-              <a:rPr lang="en-US" altLang="zh-CN" sz="2800"/>
-              <a:t>Buff </a:t>
-            </a:r>
-            <a:r>
-              <a:rPr lang="zh-CN" altLang="en-US" sz="2800"/>
-              <a:t>和</a:t>
-            </a:r>
-            <a:r>
-              <a:rPr lang="en-US" altLang="zh-CN" sz="2800"/>
-              <a:t> Git</a:t>
-            </a:r>
-            <a:endParaRPr lang="en-US" altLang="zh-CN" sz="2800"/>
-          </a:p>
-          <a:p>
-            <a:r>
-              <a:rPr lang="en-US" altLang="zh-CN" sz="2800"/>
-              <a:t> robomaster</a:t>
-            </a:r>
-            <a:r>
-              <a:rPr lang="zh-CN" altLang="en-US" sz="2800"/>
-              <a:t>论坛</a:t>
-            </a:r>
             <a:endParaRPr lang="zh-CN" altLang="en-US" sz="2800"/>
           </a:p>
         </p:txBody>
@@ -8488,7 +7740,7 @@
 <p:tagLst xmlns:p="http://schemas.openxmlformats.org/presentationml/2006/main">
   <p:tag name="KSO_WM_MEDIACOVER_FLAG" val="1"/>
   <p:tag name="KSO_WM_UNIT_MEDIACOVER_BTN_STATE" val="1"/>
-  <p:tag name="KSO_WM_UNIT_MEDIACOVER_BTNRECT" val="6586*3468*694*694"/>
+  <p:tag name="KSO_WM_UNIT_MEDIACOVER_BTNRECT" val="6626*3508*613*613"/>
   <p:tag name="KSO_WM_UNIT_MEDIACOVER_STYLEID" val="1"/>
   <p:tag name="KSO_WM_UNIT_MEDIACOVER_TEXTSTATE" val="0"/>
   <p:tag name="KSO_WM_UNIT_MEDIACOVER_BTN_POS" val="c"/>
